--- a/figs/koordusers.pptx
+++ b/figs/koordusers.pptx
@@ -4268,7 +4268,7 @@
         </p:nvSpPr>
         <p:spPr>
           <a:xfrm>
-            <a:off x="8945075" y="5803736"/>
+            <a:off x="10704564" y="4571998"/>
             <a:ext cx="1700233" cy="646331"/>
           </a:xfrm>
           <a:prstGeom prst="rect">
@@ -4318,7 +4318,7 @@
         </p:blipFill>
         <p:spPr>
           <a:xfrm>
-            <a:off x="8546191" y="5803736"/>
+            <a:off x="10305680" y="4571998"/>
             <a:ext cx="797768" cy="732644"/>
           </a:xfrm>
           <a:prstGeom prst="rect">
